--- a/lezioni/H 8 travi tese e compresse.pptx
+++ b/lezioni/H 8 travi tese e compresse.pptx
@@ -9,9 +9,15 @@
     <p:sldId id="258" r:id="rId3"/>
     <p:sldId id="259" r:id="rId4"/>
     <p:sldId id="260" r:id="rId5"/>
-    <p:sldId id="261" r:id="rId6"/>
-    <p:sldId id="262" r:id="rId7"/>
-    <p:sldId id="263" r:id="rId8"/>
+    <p:sldId id="265" r:id="rId6"/>
+    <p:sldId id="261" r:id="rId7"/>
+    <p:sldId id="262" r:id="rId8"/>
+    <p:sldId id="263" r:id="rId9"/>
+    <p:sldId id="269" r:id="rId10"/>
+    <p:sldId id="270" r:id="rId11"/>
+    <p:sldId id="266" r:id="rId12"/>
+    <p:sldId id="267" r:id="rId13"/>
+    <p:sldId id="268" r:id="rId14"/>
   </p:sldIdLst>
   <p:sldSz cx="12192000" cy="6858000"/>
   <p:notesSz cx="6858000" cy="9144000"/>
@@ -116,7 +122,7 @@
 <file path=ppt/revisionInfo.xml><?xml version="1.0" encoding="utf-8"?>
 <p1510:revInfo xmlns:a="http://schemas.openxmlformats.org/drawingml/2006/main" xmlns:r="http://schemas.openxmlformats.org/officeDocument/2006/relationships" xmlns:p1510="http://schemas.microsoft.com/office/powerpoint/2015/10/main">
   <p1510:revLst>
-    <p1510:client id="{B1585863-0ABE-EB4C-9A14-3210BF8118CD}" v="109" dt="2023-10-26T06:06:22.161"/>
+    <p1510:client id="{B1585863-0ABE-EB4C-9A14-3210BF8118CD}" v="529" dt="2023-10-26T07:17:36.085"/>
   </p1510:revLst>
 </p1510:revInfo>
 </file>
@@ -3424,6 +3430,483 @@
 </p:sld>
 </file>
 
+<file path=ppt/slides/slide10.xml><?xml version="1.0" encoding="utf-8"?>
+<p:sld xmlns:a="http://schemas.openxmlformats.org/drawingml/2006/main" xmlns:r="http://schemas.openxmlformats.org/officeDocument/2006/relationships" xmlns:p="http://schemas.openxmlformats.org/presentationml/2006/main">
+  <p:cSld>
+    <p:spTree>
+      <p:nvGrpSpPr>
+        <p:cNvPr id="1" name=""/>
+        <p:cNvGrpSpPr/>
+        <p:nvPr/>
+      </p:nvGrpSpPr>
+      <p:grpSpPr>
+        <a:xfrm>
+          <a:off x="0" y="0"/>
+          <a:ext cx="0" cy="0"/>
+          <a:chOff x="0" y="0"/>
+          <a:chExt cx="0" cy="0"/>
+        </a:xfrm>
+      </p:grpSpPr>
+      <p:sp>
+        <p:nvSpPr>
+          <p:cNvPr id="2" name="Title 1">
+            <a:extLst>
+              <a:ext uri="{FF2B5EF4-FFF2-40B4-BE49-F238E27FC236}">
+                <a16:creationId xmlns:a16="http://schemas.microsoft.com/office/drawing/2014/main" id="{A44143DD-9E9E-6990-1166-B366F59F1012}"/>
+              </a:ext>
+            </a:extLst>
+          </p:cNvPr>
+          <p:cNvSpPr>
+            <a:spLocks noGrp="1"/>
+          </p:cNvSpPr>
+          <p:nvPr>
+            <p:ph type="title"/>
+          </p:nvPr>
+        </p:nvSpPr>
+        <p:spPr>
+          <a:xfrm>
+            <a:off x="838200" y="0"/>
+            <a:ext cx="10515600" cy="1325563"/>
+          </a:xfrm>
+        </p:spPr>
+        <p:txBody>
+          <a:bodyPr/>
+          <a:lstStyle/>
+          <a:p>
+            <a:r>
+              <a:rPr lang="en-IT" dirty="0"/>
+              <a:t>Relazione puntuale tra allungamento e dilatazione</a:t>
+            </a:r>
+          </a:p>
+        </p:txBody>
+      </p:sp>
+      <p:pic>
+        <p:nvPicPr>
+          <p:cNvPr id="10" name="Picture 9" descr="\documentclass{article}&#10;\usepackage{amsmath,bbm,mathrsfs}&#10;\setlength\parindent{0em}&#10;\usepackage{geometry}&#10;\geometry{textwidth=15cm}&#10;\setlength\parskip{1em}&#10;\pagestyle{empty}&#10;\begin{document}&#10;Ricordiamo la relazione:&#10;$$&#10;\delta(\overline x)=\int_0^{\overline x}\varepsilon(x)dx\qquad \qquad (*)&#10;$$&#10;che fornisce l'allungamento del tratto $(0,\overline x)$.&#10;&#10;\`E utile osservare che&#10;$$&#10;\delta(x_2)-\delta(x_1)=\int_{x_1}^{x_2}\varepsilon(x)d x\qquad\qquad (**)&#10;$$&#10;\`e l'allungamento del tratto di trave compreso tra $x=x_1$ e $x=x_2$.&#10;&#10;Derivando la (*) rispetto a $\overline x$, troviamo la relazione generale tra allungamento e dilatazione:&#10;$$&#10;\frac{d\delta}{dx}=\varepsilon.&#10;$$&#10;Questa equazione, scritta nella forma&#10;$$&#10;d\delta=\varepsilon dx&#10;$$&#10;\`e l'analogo della (**) per un concio $dx$.&#10;&#10;\end{document}" title="IguanaTex Bitmap Display">
+            <a:extLst>
+              <a:ext uri="{FF2B5EF4-FFF2-40B4-BE49-F238E27FC236}">
+                <a16:creationId xmlns:a16="http://schemas.microsoft.com/office/drawing/2014/main" id="{A101EC05-8A41-32FE-D41C-5719B0A80AB9}"/>
+              </a:ext>
+            </a:extLst>
+          </p:cNvPr>
+          <p:cNvPicPr>
+            <a:picLocks noChangeAspect="1"/>
+          </p:cNvPicPr>
+          <p:nvPr>
+            <p:custDataLst>
+              <p:tags r:id="rId1"/>
+            </p:custDataLst>
+          </p:nvPr>
+        </p:nvPicPr>
+        <p:blipFill>
+          <a:blip r:embed="rId3"/>
+          <a:stretch>
+            <a:fillRect/>
+          </a:stretch>
+        </p:blipFill>
+        <p:spPr>
+          <a:xfrm>
+            <a:off x="969648" y="1418840"/>
+            <a:ext cx="9212319" cy="4951622"/>
+          </a:xfrm>
+          <a:prstGeom prst="rect">
+            <a:avLst/>
+          </a:prstGeom>
+        </p:spPr>
+      </p:pic>
+    </p:spTree>
+    <p:extLst>
+      <p:ext uri="{BB962C8B-B14F-4D97-AF65-F5344CB8AC3E}">
+        <p14:creationId xmlns:p14="http://schemas.microsoft.com/office/powerpoint/2010/main" val="2077130838"/>
+      </p:ext>
+    </p:extLst>
+  </p:cSld>
+  <p:clrMapOvr>
+    <a:masterClrMapping/>
+  </p:clrMapOvr>
+</p:sld>
+</file>
+
+<file path=ppt/slides/slide11.xml><?xml version="1.0" encoding="utf-8"?>
+<p:sld xmlns:a="http://schemas.openxmlformats.org/drawingml/2006/main" xmlns:r="http://schemas.openxmlformats.org/officeDocument/2006/relationships" xmlns:p="http://schemas.openxmlformats.org/presentationml/2006/main">
+  <p:cSld>
+    <p:spTree>
+      <p:nvGrpSpPr>
+        <p:cNvPr id="1" name=""/>
+        <p:cNvGrpSpPr/>
+        <p:nvPr/>
+      </p:nvGrpSpPr>
+      <p:grpSpPr>
+        <a:xfrm>
+          <a:off x="0" y="0"/>
+          <a:ext cx="0" cy="0"/>
+          <a:chOff x="0" y="0"/>
+          <a:chExt cx="0" cy="0"/>
+        </a:xfrm>
+      </p:grpSpPr>
+      <p:sp>
+        <p:nvSpPr>
+          <p:cNvPr id="2" name="Title 1">
+            <a:extLst>
+              <a:ext uri="{FF2B5EF4-FFF2-40B4-BE49-F238E27FC236}">
+                <a16:creationId xmlns:a16="http://schemas.microsoft.com/office/drawing/2014/main" id="{AA18AFFC-6441-3452-08AE-47962A0EA1E1}"/>
+              </a:ext>
+            </a:extLst>
+          </p:cNvPr>
+          <p:cNvSpPr>
+            <a:spLocks noGrp="1"/>
+          </p:cNvSpPr>
+          <p:nvPr>
+            <p:ph type="title"/>
+          </p:nvPr>
+        </p:nvSpPr>
+        <p:spPr/>
+        <p:txBody>
+          <a:bodyPr/>
+          <a:lstStyle/>
+          <a:p>
+            <a:r>
+              <a:rPr lang="en-IT" dirty="0"/>
+              <a:t>Equazione di differenziale di equilibrio per la trave tesa</a:t>
+            </a:r>
+          </a:p>
+        </p:txBody>
+      </p:sp>
+      <p:pic>
+        <p:nvPicPr>
+          <p:cNvPr id="4" name="Picture 3">
+            <a:extLst>
+              <a:ext uri="{FF2B5EF4-FFF2-40B4-BE49-F238E27FC236}">
+                <a16:creationId xmlns:a16="http://schemas.microsoft.com/office/drawing/2014/main" id="{E62AF209-8714-A838-3508-D0337AC3CCED}"/>
+              </a:ext>
+            </a:extLst>
+          </p:cNvPr>
+          <p:cNvPicPr>
+            <a:picLocks noChangeAspect="1"/>
+          </p:cNvPicPr>
+          <p:nvPr/>
+        </p:nvPicPr>
+        <p:blipFill>
+          <a:blip r:embed="rId4"/>
+          <a:stretch>
+            <a:fillRect/>
+          </a:stretch>
+        </p:blipFill>
+        <p:spPr>
+          <a:xfrm>
+            <a:off x="838200" y="5167312"/>
+            <a:ext cx="5372019" cy="1325563"/>
+          </a:xfrm>
+          <a:prstGeom prst="rect">
+            <a:avLst/>
+          </a:prstGeom>
+        </p:spPr>
+      </p:pic>
+      <p:pic>
+        <p:nvPicPr>
+          <p:cNvPr id="5" name="Picture 4">
+            <a:extLst>
+              <a:ext uri="{FF2B5EF4-FFF2-40B4-BE49-F238E27FC236}">
+                <a16:creationId xmlns:a16="http://schemas.microsoft.com/office/drawing/2014/main" id="{E79326D2-5B81-345B-5895-93E49027B683}"/>
+              </a:ext>
+            </a:extLst>
+          </p:cNvPr>
+          <p:cNvPicPr>
+            <a:picLocks noChangeAspect="1"/>
+          </p:cNvPicPr>
+          <p:nvPr/>
+        </p:nvPicPr>
+        <p:blipFill>
+          <a:blip r:embed="rId5"/>
+          <a:stretch>
+            <a:fillRect/>
+          </a:stretch>
+        </p:blipFill>
+        <p:spPr>
+          <a:xfrm>
+            <a:off x="7788533" y="5167311"/>
+            <a:ext cx="2977418" cy="1325563"/>
+          </a:xfrm>
+          <a:prstGeom prst="rect">
+            <a:avLst/>
+          </a:prstGeom>
+        </p:spPr>
+      </p:pic>
+      <p:pic>
+        <p:nvPicPr>
+          <p:cNvPr id="10" name="Picture 9" descr="\documentclass{article}&#10;\usepackage{amsmath,bbm,mathrsfs}&#10;\setlength\parindent{0em}&#10;\usepackage{geometry}&#10;\geometry{textwidth=10cm}&#10;\setlength\parskip{1em}&#10;\pagestyle{empty}&#10;\begin{document}&#10;&#10;Imponendo l'equilibrio di un concio infinitesimo $dx$, si trova:&#10;$$&#10;N(x+dx)-N(x)+q(x)dx=0,&#10;$$&#10;da cui segue l'equazione di equilibrio:&#10;$$&#10;\frac{dN}{dx}+q=0.&#10;$$&#10;&#10;&#10;\end{document}" title="IguanaTex Bitmap Display">
+            <a:extLst>
+              <a:ext uri="{FF2B5EF4-FFF2-40B4-BE49-F238E27FC236}">
+                <a16:creationId xmlns:a16="http://schemas.microsoft.com/office/drawing/2014/main" id="{C7CC9B19-BC79-047E-FA1A-1BE7DBFA6A94}"/>
+              </a:ext>
+            </a:extLst>
+          </p:cNvPr>
+          <p:cNvPicPr>
+            <a:picLocks noChangeAspect="1"/>
+          </p:cNvPicPr>
+          <p:nvPr>
+            <p:custDataLst>
+              <p:tags r:id="rId1"/>
+            </p:custDataLst>
+          </p:nvPr>
+        </p:nvPicPr>
+        <p:blipFill>
+          <a:blip r:embed="rId6"/>
+          <a:stretch>
+            <a:fillRect/>
+          </a:stretch>
+        </p:blipFill>
+        <p:spPr>
+          <a:xfrm>
+            <a:off x="294282" y="2034312"/>
+            <a:ext cx="5404977" cy="1746856"/>
+          </a:xfrm>
+          <a:prstGeom prst="rect">
+            <a:avLst/>
+          </a:prstGeom>
+        </p:spPr>
+      </p:pic>
+      <p:pic>
+        <p:nvPicPr>
+          <p:cNvPr id="14" name="Picture 13" descr="\documentclass{article}&#10;\usepackage{amsmath,bbm,mathrsfs}&#10;\setlength\parindent{0em}&#10;\usepackage{geometry}&#10;\geometry{textwidth=10cm}&#10;\setlength\parskip{1em}&#10;\pagestyle{empty}&#10;\begin{document}&#10;&#10;Combinando l'equazione di equilibrio con la relazione tra allungamento e dilatazione&#10;$$&#10;\frac{d\delta}{dx}=\varepsilon&#10;$$&#10;e con la legge di Hooke generalizzata per la barra&#10;$$&#10;\varepsilon=\frac N{EA}+\alpha\Delta T,&#10;$$&#10;si arriva all'equazione differenziale della trave tesa/compressa&#10;$$&#10;\frac d{dx}\Big(\frac{d\delta}{dx}EA-\alpha\Delta T\Big)+q=0.&#10;$$&#10;&#10;\end{document}" title="IguanaTex Bitmap Display">
+            <a:extLst>
+              <a:ext uri="{FF2B5EF4-FFF2-40B4-BE49-F238E27FC236}">
+                <a16:creationId xmlns:a16="http://schemas.microsoft.com/office/drawing/2014/main" id="{277C490C-9A2A-2D1B-96F3-9EB4221733FA}"/>
+              </a:ext>
+            </a:extLst>
+          </p:cNvPr>
+          <p:cNvPicPr>
+            <a:picLocks noChangeAspect="1"/>
+          </p:cNvPicPr>
+          <p:nvPr>
+            <p:custDataLst>
+              <p:tags r:id="rId2"/>
+            </p:custDataLst>
+          </p:nvPr>
+        </p:nvPicPr>
+        <p:blipFill>
+          <a:blip r:embed="rId7"/>
+          <a:stretch>
+            <a:fillRect/>
+          </a:stretch>
+        </p:blipFill>
+        <p:spPr>
+          <a:xfrm>
+            <a:off x="6210218" y="1530910"/>
+            <a:ext cx="5722715" cy="2831025"/>
+          </a:xfrm>
+          <a:prstGeom prst="rect">
+            <a:avLst/>
+          </a:prstGeom>
+        </p:spPr>
+      </p:pic>
+    </p:spTree>
+    <p:extLst>
+      <p:ext uri="{BB962C8B-B14F-4D97-AF65-F5344CB8AC3E}">
+        <p14:creationId xmlns:p14="http://schemas.microsoft.com/office/powerpoint/2010/main" val="2583713197"/>
+      </p:ext>
+    </p:extLst>
+  </p:cSld>
+  <p:clrMapOvr>
+    <a:masterClrMapping/>
+  </p:clrMapOvr>
+</p:sld>
+</file>
+
+<file path=ppt/slides/slide12.xml><?xml version="1.0" encoding="utf-8"?>
+<p:sld xmlns:a="http://schemas.openxmlformats.org/drawingml/2006/main" xmlns:r="http://schemas.openxmlformats.org/officeDocument/2006/relationships" xmlns:p="http://schemas.openxmlformats.org/presentationml/2006/main">
+  <p:cSld>
+    <p:spTree>
+      <p:nvGrpSpPr>
+        <p:cNvPr id="1" name=""/>
+        <p:cNvGrpSpPr/>
+        <p:nvPr/>
+      </p:nvGrpSpPr>
+      <p:grpSpPr>
+        <a:xfrm>
+          <a:off x="0" y="0"/>
+          <a:ext cx="0" cy="0"/>
+          <a:chOff x="0" y="0"/>
+          <a:chExt cx="0" cy="0"/>
+        </a:xfrm>
+      </p:grpSpPr>
+      <p:sp>
+        <p:nvSpPr>
+          <p:cNvPr id="2" name="Title 1">
+            <a:extLst>
+              <a:ext uri="{FF2B5EF4-FFF2-40B4-BE49-F238E27FC236}">
+                <a16:creationId xmlns:a16="http://schemas.microsoft.com/office/drawing/2014/main" id="{BF6C2DD4-1C0D-55AF-332F-6AD9FD613AEA}"/>
+              </a:ext>
+            </a:extLst>
+          </p:cNvPr>
+          <p:cNvSpPr>
+            <a:spLocks noGrp="1"/>
+          </p:cNvSpPr>
+          <p:nvPr>
+            <p:ph type="title"/>
+          </p:nvPr>
+        </p:nvSpPr>
+        <p:spPr>
+          <a:xfrm>
+            <a:off x="0" y="0"/>
+            <a:ext cx="10515600" cy="1325563"/>
+          </a:xfrm>
+        </p:spPr>
+        <p:txBody>
+          <a:bodyPr/>
+          <a:lstStyle/>
+          <a:p>
+            <a:r>
+              <a:rPr lang="en-IT" dirty="0"/>
+              <a:t>Funzione spostamento e sua relazione con l’allungamento</a:t>
+            </a:r>
+          </a:p>
+        </p:txBody>
+      </p:sp>
+      <p:pic>
+        <p:nvPicPr>
+          <p:cNvPr id="7" name="Picture 6" descr="\documentclass{article}&#10;\usepackage{amsmath,bbm,mathrsfs}&#10;\setlength\parindent{0em}&#10;\usepackage{geometry}&#10;\geometry{textwidth=10cm}&#10;\setlength\parskip{1em}&#10;\pagestyle{empty}&#10;\begin{document}&#10;Spesso \`e conveniente formulare l'equazione differenziale della trave tesa-compressa in termini dello spostamento $w(x)$ che la sezione $x$ subisce lungo la direzione dell'asse $x$.&#10;&#10;Tra spostamento $w(x)$ e allungamento $\delta(x)$ sussiste la relazione&#10;$$&#10;w(x)=w(0)+\delta(x).&#10;$$&#10;&#10;Se, in particolare, $\delta(x)=0$, allora il tratto $(0,x)$ non si deforma, e gli spostamenti dei suoi estremi coincidono.&#10;&#10;Se $w(0)=0$, allora l'estremo $x=0$ non si sposta, e lo spostamento $w(x)$ coincide con l'allungamento.&#10;&#10;\end{document}" title="IguanaTex Bitmap Display">
+            <a:extLst>
+              <a:ext uri="{FF2B5EF4-FFF2-40B4-BE49-F238E27FC236}">
+                <a16:creationId xmlns:a16="http://schemas.microsoft.com/office/drawing/2014/main" id="{CF35015F-ADB8-260A-17C1-8D15D42B0254}"/>
+              </a:ext>
+            </a:extLst>
+          </p:cNvPr>
+          <p:cNvPicPr>
+            <a:picLocks noChangeAspect="1"/>
+          </p:cNvPicPr>
+          <p:nvPr>
+            <p:custDataLst>
+              <p:tags r:id="rId1"/>
+            </p:custDataLst>
+          </p:nvPr>
+        </p:nvPicPr>
+        <p:blipFill>
+          <a:blip r:embed="rId3"/>
+          <a:stretch>
+            <a:fillRect/>
+          </a:stretch>
+        </p:blipFill>
+        <p:spPr>
+          <a:xfrm>
+            <a:off x="2501900" y="1460500"/>
+            <a:ext cx="7188200" cy="3937000"/>
+          </a:xfrm>
+          <a:prstGeom prst="rect">
+            <a:avLst/>
+          </a:prstGeom>
+        </p:spPr>
+      </p:pic>
+    </p:spTree>
+    <p:extLst>
+      <p:ext uri="{BB962C8B-B14F-4D97-AF65-F5344CB8AC3E}">
+        <p14:creationId xmlns:p14="http://schemas.microsoft.com/office/powerpoint/2010/main" val="803640687"/>
+      </p:ext>
+    </p:extLst>
+  </p:cSld>
+  <p:clrMapOvr>
+    <a:masterClrMapping/>
+  </p:clrMapOvr>
+</p:sld>
+</file>
+
+<file path=ppt/slides/slide13.xml><?xml version="1.0" encoding="utf-8"?>
+<p:sld xmlns:a="http://schemas.openxmlformats.org/drawingml/2006/main" xmlns:r="http://schemas.openxmlformats.org/officeDocument/2006/relationships" xmlns:p="http://schemas.openxmlformats.org/presentationml/2006/main">
+  <p:cSld>
+    <p:spTree>
+      <p:nvGrpSpPr>
+        <p:cNvPr id="1" name=""/>
+        <p:cNvGrpSpPr/>
+        <p:nvPr/>
+      </p:nvGrpSpPr>
+      <p:grpSpPr>
+        <a:xfrm>
+          <a:off x="0" y="0"/>
+          <a:ext cx="0" cy="0"/>
+          <a:chOff x="0" y="0"/>
+          <a:chExt cx="0" cy="0"/>
+        </a:xfrm>
+      </p:grpSpPr>
+      <p:sp>
+        <p:nvSpPr>
+          <p:cNvPr id="2" name="Title 1">
+            <a:extLst>
+              <a:ext uri="{FF2B5EF4-FFF2-40B4-BE49-F238E27FC236}">
+                <a16:creationId xmlns:a16="http://schemas.microsoft.com/office/drawing/2014/main" id="{6E06E5B6-8786-E946-ACFD-FE33064DF171}"/>
+              </a:ext>
+            </a:extLst>
+          </p:cNvPr>
+          <p:cNvSpPr>
+            <a:spLocks noGrp="1"/>
+          </p:cNvSpPr>
+          <p:nvPr>
+            <p:ph type="title"/>
+          </p:nvPr>
+        </p:nvSpPr>
+        <p:spPr>
+          <a:xfrm>
+            <a:off x="455141" y="0"/>
+            <a:ext cx="10515600" cy="1325563"/>
+          </a:xfrm>
+        </p:spPr>
+        <p:txBody>
+          <a:bodyPr/>
+          <a:lstStyle/>
+          <a:p>
+            <a:r>
+              <a:rPr lang="en-IT" dirty="0"/>
+              <a:t>Relazione tra spostamento e dilatazione</a:t>
+            </a:r>
+          </a:p>
+        </p:txBody>
+      </p:sp>
+      <p:pic>
+        <p:nvPicPr>
+          <p:cNvPr id="7" name="Picture 6" descr="\documentclass{article}&#10;\usepackage{amsmath,bbm,mathrsfs}&#10;\setlength\parindent{0em}&#10;\usepackage{geometry}&#10;\geometry{textwidth=10cm}&#10;\setlength\parskip{1em}&#10;\pagestyle{empty}&#10;\begin{document}&#10;Derivando rispetto a $x$ la relazione&#10;$$&#10;w(x)=w(0)+\delta(x)&#10;$$&#10;troviamo&#10;$$&#10;\frac {dw}{dx}=\frac {d\delta}{dx}.&#10;$$&#10;Ricordando che $d\delta/dx=\varepsilon$, segue che l'equazione di compatibilit\`a in forma puntuale si scrive:&#10;$$&#10;\frac {dw}{dx}=\varepsilon.&#10;$$&#10;Dunque, in termini della funzione spostamento $w(x)$, l'equazione differenziale della trave tesa si scrive&#10;$$&#10;\frac{d}{dx}\Big(EA\frac{dw}{dx}-\alpha\Delta T\Big)+q=0.&#10;$$&#10;&#10;&#10;&#10;&#10;\end{document}" title="IguanaTex Bitmap Display">
+            <a:extLst>
+              <a:ext uri="{FF2B5EF4-FFF2-40B4-BE49-F238E27FC236}">
+                <a16:creationId xmlns:a16="http://schemas.microsoft.com/office/drawing/2014/main" id="{2620C559-F109-F4E1-2044-A0A4153F6488}"/>
+              </a:ext>
+            </a:extLst>
+          </p:cNvPr>
+          <p:cNvPicPr>
+            <a:picLocks noChangeAspect="1"/>
+          </p:cNvPicPr>
+          <p:nvPr>
+            <p:custDataLst>
+              <p:tags r:id="rId1"/>
+            </p:custDataLst>
+          </p:nvPr>
+        </p:nvPicPr>
+        <p:blipFill>
+          <a:blip r:embed="rId3"/>
+          <a:stretch>
+            <a:fillRect/>
+          </a:stretch>
+        </p:blipFill>
+        <p:spPr>
+          <a:xfrm>
+            <a:off x="566352" y="1325563"/>
+            <a:ext cx="7188200" cy="4927600"/>
+          </a:xfrm>
+          <a:prstGeom prst="rect">
+            <a:avLst/>
+          </a:prstGeom>
+        </p:spPr>
+      </p:pic>
+    </p:spTree>
+    <p:extLst>
+      <p:ext uri="{BB962C8B-B14F-4D97-AF65-F5344CB8AC3E}">
+        <p14:creationId xmlns:p14="http://schemas.microsoft.com/office/powerpoint/2010/main" val="3513321358"/>
+      </p:ext>
+    </p:extLst>
+  </p:cSld>
+  <p:clrMapOvr>
+    <a:masterClrMapping/>
+  </p:clrMapOvr>
+</p:sld>
+</file>
+
 <file path=ppt/slides/slide2.xml><?xml version="1.0" encoding="utf-8"?>
 <p:sld xmlns:a="http://schemas.openxmlformats.org/drawingml/2006/main" xmlns:r="http://schemas.openxmlformats.org/officeDocument/2006/relationships" xmlns:p="http://schemas.openxmlformats.org/presentationml/2006/main">
   <p:cSld>
@@ -3476,10 +3959,10 @@
       </p:sp>
       <p:pic>
         <p:nvPicPr>
-          <p:cNvPr id="19" name="Picture 18" descr="\documentclass{article}&#10;\usepackage{amsmath,bbm,mathrsfs}&#10;\setlength\parindent{0em}&#10;\usepackage{geometry}&#10;\geometry{textwidth=17cm}&#10;\setlength\parskip{1em}&#10;\pagestyle{empty}&#10;\begin{document}&#10;&#10;Il principio di Saint-Venant stabilisce che lo stato di sollecitazione in una trave caricata solo agli estremi \`e costante sulla sezione. &#10;&#10;Ne segue che, per una trave caricata alle basi, a distanza sufficiente dalle basi stesse, la forza normale e la tensione sono legate dalla relazione&#10;$$&#10;N=\sigma A.&#10;$$&#10;Dalla legge di Hooke segue inoltre che, punto per punto, la dilatazione lungo la direzione assiale e la tensione normale sono legate da&#10;$$&#10;\varepsilon=\frac\sigma E,&#10;$$&#10;essendo $E$ il modulo di Young. Dunque anche $\varepsilon$ \`e costante e pertanto la dilatazione media, definita dalla formula&#10;$$&#10;\varepsilon_{\rm avg}=\frac\delta L&#10;$$&#10;dove $\delta$ \`e l'allungamento e $L$ \`e la lunghezza iniziale, coincide con la dilatazione puntuale:&#10;$$&#10;\varepsilon_{\rm avg}=\varepsilon.&#10;$$&#10;Otteniamo quindi la relazione:&#10;$$&#10;\delta=\frac{NL}{EA}&#10;$$&#10;&#10;&#10;&#10;&#10;&#10;\end{document}" title="IguanaTex Bitmap Display">
-            <a:extLst>
-              <a:ext uri="{FF2B5EF4-FFF2-40B4-BE49-F238E27FC236}">
-                <a16:creationId xmlns:a16="http://schemas.microsoft.com/office/drawing/2014/main" id="{42F2974A-4987-E164-6347-62585182A25B}"/>
+          <p:cNvPr id="25" name="Picture 24" descr="\documentclass{article}&#10;\usepackage{amsmath,bbm,mathrsfs}&#10;\setlength\parindent{0em}&#10;\usepackage{geometry}&#10;\geometry{textwidth=19cm}&#10;\setlength\parskip{1em}&#10;\pagestyle{empty}&#10;\begin{document}&#10;&#10;Il principio di Saint-Venant stabilisce che lo stato di sollecitazione in una trave caricata solo agli estremi \`e costante sulla sezione. &#10;&#10;Ne segue che, per una trave caricata alle basi, a distanza sufficiente dalle basi stesse, la forza normale e la tensione sono legate dalla relazione&#10;$$&#10;N=\sigma A.&#10;$$&#10;Dalla legge di Hooke segue inoltre che, punto per punto, la dilatazione lungo la direzione assiale e la tensione normale sono legate da&#10;$$&#10;\varepsilon=\frac\sigma E,&#10;$$&#10;essendo $E$ il modulo di Young. Dunque anche $\varepsilon$ \`e costante e pertanto la dilatazione media, definita dalla formula&#10;$$&#10;\varepsilon_{\rm avg}=\frac\delta L&#10;$$&#10;dove $\delta$ \`e l'allungamento e $L$ \`e la lunghezza iniziale, coincide con la dilatazione puntuale:&#10;$$&#10;\frac{L'-L}{L}=:\varepsilon_{\rm avg}=\varepsilon,&#10;$$&#10;dove $L'$ indica la lunghezza finale. Indicando con $\delta=L'-L$ l'allungamento, possiamo scrivere&#10;$$&#10;\delta=L'-L=\varepsilon L=\frac{N}{EA}L.&#10;$$&#10;&#10;&#10;&#10;&#10;&#10;\end{document}" title="IguanaTex Bitmap Display">
+            <a:extLst>
+              <a:ext uri="{FF2B5EF4-FFF2-40B4-BE49-F238E27FC236}">
+                <a16:creationId xmlns:a16="http://schemas.microsoft.com/office/drawing/2014/main" id="{769BD3CD-A366-E178-3F2F-99D3B38AF89D}"/>
               </a:ext>
             </a:extLst>
           </p:cNvPr>
@@ -3500,8 +3983,8 @@
         </p:blipFill>
         <p:spPr>
           <a:xfrm>
-            <a:off x="712075" y="1325563"/>
-            <a:ext cx="10476568" cy="5390433"/>
+            <a:off x="624738" y="1325563"/>
+            <a:ext cx="10942524" cy="5430583"/>
           </a:xfrm>
           <a:prstGeom prst="rect">
             <a:avLst/>
@@ -3560,7 +4043,7 @@
         </p:blipFill>
         <p:spPr>
           <a:xfrm>
-            <a:off x="2750425" y="4888624"/>
+            <a:off x="2750425" y="4762500"/>
             <a:ext cx="6438900" cy="2095500"/>
           </a:xfrm>
           <a:prstGeom prst="rect">
@@ -3696,6 +4179,163 @@
           <a:chExt cx="0" cy="0"/>
         </a:xfrm>
       </p:grpSpPr>
+      <p:sp>
+        <p:nvSpPr>
+          <p:cNvPr id="2" name="Title 1">
+            <a:extLst>
+              <a:ext uri="{FF2B5EF4-FFF2-40B4-BE49-F238E27FC236}">
+                <a16:creationId xmlns:a16="http://schemas.microsoft.com/office/drawing/2014/main" id="{EBDD5363-56A0-DE13-0734-5E0B999DC8FF}"/>
+              </a:ext>
+            </a:extLst>
+          </p:cNvPr>
+          <p:cNvSpPr>
+            <a:spLocks noGrp="1"/>
+          </p:cNvSpPr>
+          <p:nvPr>
+            <p:ph type="title"/>
+          </p:nvPr>
+        </p:nvSpPr>
+        <p:spPr>
+          <a:xfrm>
+            <a:off x="165538" y="0"/>
+            <a:ext cx="10515600" cy="1325563"/>
+          </a:xfrm>
+        </p:spPr>
+        <p:txBody>
+          <a:bodyPr/>
+          <a:lstStyle/>
+          <a:p>
+            <a:r>
+              <a:rPr lang="en-IT" dirty="0"/>
+              <a:t>Relazione allungamento-dilatazione</a:t>
+            </a:r>
+          </a:p>
+        </p:txBody>
+      </p:sp>
+      <p:pic>
+        <p:nvPicPr>
+          <p:cNvPr id="5" name="Picture 4">
+            <a:extLst>
+              <a:ext uri="{FF2B5EF4-FFF2-40B4-BE49-F238E27FC236}">
+                <a16:creationId xmlns:a16="http://schemas.microsoft.com/office/drawing/2014/main" id="{75A36A2A-1B32-9FA9-2D51-C0D4B9BA2BD3}"/>
+              </a:ext>
+            </a:extLst>
+          </p:cNvPr>
+          <p:cNvPicPr>
+            <a:picLocks noChangeAspect="1"/>
+          </p:cNvPicPr>
+          <p:nvPr/>
+        </p:nvPicPr>
+        <p:blipFill>
+          <a:blip r:embed="rId3"/>
+          <a:stretch>
+            <a:fillRect/>
+          </a:stretch>
+        </p:blipFill>
+        <p:spPr>
+          <a:xfrm>
+            <a:off x="7142470" y="2253839"/>
+            <a:ext cx="4762495" cy="1175161"/>
+          </a:xfrm>
+          <a:prstGeom prst="rect">
+            <a:avLst/>
+          </a:prstGeom>
+        </p:spPr>
+      </p:pic>
+      <p:pic>
+        <p:nvPicPr>
+          <p:cNvPr id="4" name="Picture 3" descr="\documentclass{article}&#10;\usepackage{amsmath,bbm,mathrsfs}&#10;\setlength\parindent{0em}&#10;\usepackage{geometry}&#10;\geometry{textwidth=10cm}&#10;\setlength\parskip{1em}&#10;\pagestyle{empty}&#10;\begin{document}&#10;&#10;Se in una trave $AB$ di lunghezza $L$ la dilatazione normale $\varepsilon$ \`e costante, l'allungamento \`e&#10;$$&#10;\delta=\varepsilon L.&#10;$$&#10;Nel caso in cui la trave sia costituita da $N$ tratti in ciascuno dei quali $\varepsilon$ \`e costante:&#10;$$&#10;\delta=\sum_{i=1}^N\varepsilon_iL_i.&#10;$$&#10;La precedente equazione si generalizza al caso in cui $\varepsilon$ sia una funzione integrabile:&#10;$$&#10;\delta=\int_0^L \varepsilon(x)dx.&#10;$$&#10;\`E utile osservare che la quantit\`a&#10;$$&#10;\delta(\overline x)=\int_0^{\overline x} \varepsilon(\overline x)d\overline x\qquad\qquad (*)&#10;$$&#10;rappresenta l'allungamento del tratto di trave compreso tra $x=0$ e $x=\overline x$. &#10;&#10;&#10;&#10;\end{document}" title="IguanaTex Bitmap Display">
+            <a:extLst>
+              <a:ext uri="{FF2B5EF4-FFF2-40B4-BE49-F238E27FC236}">
+                <a16:creationId xmlns:a16="http://schemas.microsoft.com/office/drawing/2014/main" id="{C3271698-2EB0-5BD8-6011-D37F1A2C26D0}"/>
+              </a:ext>
+            </a:extLst>
+          </p:cNvPr>
+          <p:cNvPicPr>
+            <a:picLocks noChangeAspect="1"/>
+          </p:cNvPicPr>
+          <p:nvPr>
+            <p:custDataLst>
+              <p:tags r:id="rId1"/>
+            </p:custDataLst>
+          </p:nvPr>
+        </p:nvPicPr>
+        <p:blipFill>
+          <a:blip r:embed="rId4"/>
+          <a:stretch>
+            <a:fillRect/>
+          </a:stretch>
+        </p:blipFill>
+        <p:spPr>
+          <a:xfrm>
+            <a:off x="287035" y="1291333"/>
+            <a:ext cx="5860642" cy="5097109"/>
+          </a:xfrm>
+          <a:prstGeom prst="rect">
+            <a:avLst/>
+          </a:prstGeom>
+        </p:spPr>
+      </p:pic>
+      <p:pic>
+        <p:nvPicPr>
+          <p:cNvPr id="23" name="Picture 22">
+            <a:extLst>
+              <a:ext uri="{FF2B5EF4-FFF2-40B4-BE49-F238E27FC236}">
+                <a16:creationId xmlns:a16="http://schemas.microsoft.com/office/drawing/2014/main" id="{94D8255D-5600-2A96-5F97-E1CF0F27397E}"/>
+              </a:ext>
+            </a:extLst>
+          </p:cNvPr>
+          <p:cNvPicPr>
+            <a:picLocks noChangeAspect="1"/>
+          </p:cNvPicPr>
+          <p:nvPr/>
+        </p:nvPicPr>
+        <p:blipFill>
+          <a:blip r:embed="rId5"/>
+          <a:stretch>
+            <a:fillRect/>
+          </a:stretch>
+        </p:blipFill>
+        <p:spPr>
+          <a:xfrm>
+            <a:off x="6678283" y="4719012"/>
+            <a:ext cx="3472248" cy="1545864"/>
+          </a:xfrm>
+          <a:prstGeom prst="rect">
+            <a:avLst/>
+          </a:prstGeom>
+        </p:spPr>
+      </p:pic>
+    </p:spTree>
+    <p:extLst>
+      <p:ext uri="{BB962C8B-B14F-4D97-AF65-F5344CB8AC3E}">
+        <p14:creationId xmlns:p14="http://schemas.microsoft.com/office/powerpoint/2010/main" val="1282265530"/>
+      </p:ext>
+    </p:extLst>
+  </p:cSld>
+  <p:clrMapOvr>
+    <a:masterClrMapping/>
+  </p:clrMapOvr>
+</p:sld>
+</file>
+
+<file path=ppt/slides/slide6.xml><?xml version="1.0" encoding="utf-8"?>
+<p:sld xmlns:a="http://schemas.openxmlformats.org/drawingml/2006/main" xmlns:r="http://schemas.openxmlformats.org/officeDocument/2006/relationships" xmlns:p="http://schemas.openxmlformats.org/presentationml/2006/main">
+  <p:cSld>
+    <p:spTree>
+      <p:nvGrpSpPr>
+        <p:cNvPr id="1" name=""/>
+        <p:cNvGrpSpPr/>
+        <p:nvPr/>
+      </p:nvGrpSpPr>
+      <p:grpSpPr>
+        <a:xfrm>
+          <a:off x="0" y="0"/>
+          <a:ext cx="0" cy="0"/>
+          <a:chOff x="0" y="0"/>
+          <a:chExt cx="0" cy="0"/>
+        </a:xfrm>
+      </p:grpSpPr>
       <p:pic>
         <p:nvPicPr>
           <p:cNvPr id="4" name="Picture 3">
@@ -3837,7 +4477,7 @@
 </p:sld>
 </file>
 
-<file path=ppt/slides/slide6.xml><?xml version="1.0" encoding="utf-8"?>
+<file path=ppt/slides/slide7.xml><?xml version="1.0" encoding="utf-8"?>
 <p:sld xmlns:a="http://schemas.openxmlformats.org/drawingml/2006/main" xmlns:r="http://schemas.openxmlformats.org/officeDocument/2006/relationships" xmlns:p="http://schemas.openxmlformats.org/presentationml/2006/main">
   <p:cSld>
     <p:spTree>
@@ -4028,7 +4668,7 @@
 </p:sld>
 </file>
 
-<file path=ppt/slides/slide7.xml><?xml version="1.0" encoding="utf-8"?>
+<file path=ppt/slides/slide8.xml><?xml version="1.0" encoding="utf-8"?>
 <p:sld xmlns:a="http://schemas.openxmlformats.org/drawingml/2006/main" xmlns:r="http://schemas.openxmlformats.org/officeDocument/2006/relationships" xmlns:p="http://schemas.openxmlformats.org/presentationml/2006/main">
   <p:cSld>
     <p:spTree>
@@ -4125,16 +4765,179 @@
 </p:sld>
 </file>
 
+<file path=ppt/slides/slide9.xml><?xml version="1.0" encoding="utf-8"?>
+<p:sld xmlns:a="http://schemas.openxmlformats.org/drawingml/2006/main" xmlns:r="http://schemas.openxmlformats.org/officeDocument/2006/relationships" xmlns:p="http://schemas.openxmlformats.org/presentationml/2006/main">
+  <p:cSld>
+    <p:spTree>
+      <p:nvGrpSpPr>
+        <p:cNvPr id="1" name=""/>
+        <p:cNvGrpSpPr/>
+        <p:nvPr/>
+      </p:nvGrpSpPr>
+      <p:grpSpPr>
+        <a:xfrm>
+          <a:off x="0" y="0"/>
+          <a:ext cx="0" cy="0"/>
+          <a:chOff x="0" y="0"/>
+          <a:chExt cx="0" cy="0"/>
+        </a:xfrm>
+      </p:grpSpPr>
+      <p:sp>
+        <p:nvSpPr>
+          <p:cNvPr id="2" name="Title 1">
+            <a:extLst>
+              <a:ext uri="{FF2B5EF4-FFF2-40B4-BE49-F238E27FC236}">
+                <a16:creationId xmlns:a16="http://schemas.microsoft.com/office/drawing/2014/main" id="{D4D8EEDC-7169-6F0F-D8F7-FD2093A0446A}"/>
+              </a:ext>
+            </a:extLst>
+          </p:cNvPr>
+          <p:cNvSpPr>
+            <a:spLocks noGrp="1"/>
+          </p:cNvSpPr>
+          <p:nvPr>
+            <p:ph type="title"/>
+          </p:nvPr>
+        </p:nvSpPr>
+        <p:spPr>
+          <a:xfrm>
+            <a:off x="1035908" y="2601698"/>
+            <a:ext cx="10515600" cy="1325563"/>
+          </a:xfrm>
+        </p:spPr>
+        <p:txBody>
+          <a:bodyPr/>
+          <a:lstStyle/>
+          <a:p>
+            <a:r>
+              <a:rPr lang="en-IT" dirty="0"/>
+              <a:t>Formulazione del problema in termini di allungamento e spostamento</a:t>
+            </a:r>
+          </a:p>
+        </p:txBody>
+      </p:sp>
+    </p:spTree>
+    <p:extLst>
+      <p:ext uri="{BB962C8B-B14F-4D97-AF65-F5344CB8AC3E}">
+        <p14:creationId xmlns:p14="http://schemas.microsoft.com/office/powerpoint/2010/main" val="143318136"/>
+      </p:ext>
+    </p:extLst>
+  </p:cSld>
+  <p:clrMapOvr>
+    <a:masterClrMapping/>
+  </p:clrMapOvr>
+</p:sld>
+</file>
+
 <file path=ppt/tags/tag1.xml><?xml version="1.0" encoding="utf-8"?>
 <p:tagLst xmlns:a="http://schemas.openxmlformats.org/drawingml/2006/main" xmlns:r="http://schemas.openxmlformats.org/officeDocument/2006/relationships" xmlns:p="http://schemas.openxmlformats.org/presentationml/2006/main">
   <p:tag name="OUTPUTDPI" val="1200"/>
-  <p:tag name="ORIGINALHEIGHT" val="248"/>
-  <p:tag name="ORIGINALWIDTH" val="482"/>
+  <p:tag name="ORIGINALHEIGHT" val="267"/>
+  <p:tag name="ORIGINALWIDTH" val="538"/>
   <p:tag name="OUTPUTTYPE" val="PDF"/>
   <p:tag name="IGUANATEXVERSION" val="160"/>
-  <p:tag name="LATEXADDIN" val="\documentclass{article}&#10;\usepackage{amsmath,bbm,mathrsfs}&#10;\setlength\parindent{0em}&#10;\usepackage{geometry}&#10;\geometry{textwidth=17cm}&#10;\setlength\parskip{1em}&#10;\pagestyle{empty}&#10;\begin{document}&#10;&#10;Il principio di Saint-Venant stabilisce che lo stato di sollecitazione in una trave caricata solo agli estremi \`e costante sulla sezione. &#10;&#10;Ne segue che, per una trave caricata alle basi, a distanza sufficiente dalle basi stesse, la forza normale e la tensione sono legate dalla relazione&#10;$$&#10;N=\sigma A.&#10;$$&#10;Dalla legge di Hooke segue inoltre che, punto per punto, la dilatazione lungo la direzione assiale e la tensione normale sono legate da&#10;$$&#10;\varepsilon=\frac\sigma E,&#10;$$&#10;essendo $E$ il modulo di Young. Dunque anche $\varepsilon$ \`e costante e pertanto la dilatazione media, definita dalla formula&#10;$$&#10;\varepsilon_{\rm avg}=\frac\delta L&#10;$$&#10;dove $\delta$ \`e l'allungamento e $L$ \`e la lunghezza iniziale, coincide con la dilatazione puntuale:&#10;$$&#10;\varepsilon_{\rm avg}=\varepsilon.&#10;$$&#10;Otteniamo quindi la relazione:&#10;$$&#10;\delta=\frac{NL}{EA}&#10;$$&#10;&#10;&#10;&#10;&#10;&#10;\end{document}"/>
+  <p:tag name="LATEXADDIN" val="\documentclass{article}&#10;\usepackage{amsmath,bbm,mathrsfs}&#10;\setlength\parindent{0em}&#10;\usepackage{geometry}&#10;\geometry{textwidth=19cm}&#10;\setlength\parskip{1em}&#10;\pagestyle{empty}&#10;\begin{document}&#10;&#10;Il principio di Saint-Venant stabilisce che lo stato di sollecitazione in una trave caricata solo agli estremi \`e costante sulla sezione. &#10;&#10;Ne segue che, per una trave caricata alle basi, a distanza sufficiente dalle basi stesse, la forza normale e la tensione sono legate dalla relazione&#10;$$&#10;N=\sigma A.&#10;$$&#10;Dalla legge di Hooke segue inoltre che, punto per punto, la dilatazione lungo la direzione assiale e la tensione normale sono legate da&#10;$$&#10;\varepsilon=\frac\sigma E,&#10;$$&#10;essendo $E$ il modulo di Young. Dunque anche $\varepsilon$ \`e costante e pertanto la dilatazione media, definita dalla formula&#10;$$&#10;\varepsilon_{\rm avg}=\frac\delta L&#10;$$&#10;dove $\delta$ \`e l'allungamento e $L$ \`e la lunghezza iniziale, coincide con la dilatazione puntuale:&#10;$$&#10;\frac{L'-L}{L}=:\varepsilon_{\rm avg}=\varepsilon,&#10;$$&#10;dove $L'$ indica la lunghezza finale. Indicando con $\delta=L'-L$ l'allungamento, possiamo scrivere&#10;$$&#10;\delta=L'-L=\varepsilon L=\frac{N}{EA}L.&#10;$$&#10;&#10;&#10;&#10;&#10;&#10;\end{document}"/>
   <p:tag name="IGUANATEXSIZE" val="20"/>
-  <p:tag name="IGUANATEXCURSOR" val="1037"/>
+  <p:tag name="IGUANATEXCURSOR" val="128"/>
+  <p:tag name="TRANSPARENCY" val="True"/>
+  <p:tag name="LATEXENGINEID" val="0"/>
+  <p:tag name="TEMPFOLDER" val="/private/var/folders/bl/qr6kzqqj6dq26b3546l3vykm0000gn/T/com.microsoft.Powerpoint/TemporaryItems/"/>
+  <p:tag name="LATEXFORMHEIGHT" val="426,65"/>
+  <p:tag name="LATEXFORMWIDTH" val="513,35"/>
+  <p:tag name="LATEXFORMWRAP" val="True"/>
+  <p:tag name="BITMAPVECTOR" val="0"/>
+</p:tagLst>
+</file>
+
+<file path=ppt/tags/tag10.xml><?xml version="1.0" encoding="utf-8"?>
+<p:tagLst xmlns:a="http://schemas.openxmlformats.org/drawingml/2006/main" xmlns:r="http://schemas.openxmlformats.org/officeDocument/2006/relationships" xmlns:p="http://schemas.openxmlformats.org/presentationml/2006/main">
+  <p:tag name="OUTPUTDPI" val="1200"/>
+  <p:tag name="ORIGINALHEIGHT" val="215"/>
+  <p:tag name="ORIGINALWIDTH" val="400"/>
+  <p:tag name="OUTPUTTYPE" val="PDF"/>
+  <p:tag name="IGUANATEXVERSION" val="160"/>
+  <p:tag name="LATEXADDIN" val="\documentclass{article}&#10;\usepackage{amsmath,bbm,mathrsfs}&#10;\setlength\parindent{0em}&#10;\usepackage{geometry}&#10;\geometry{textwidth=15cm}&#10;\setlength\parskip{1em}&#10;\pagestyle{empty}&#10;\begin{document}&#10;Ricordiamo la relazione:&#10;$$&#10;\delta(\overline x)=\int_0^{\overline x}\varepsilon(x)dx\qquad \qquad (*)&#10;$$&#10;che fornisce l'allungamento del tratto $(0,\overline x)$.&#10;&#10;\`E utile osservare che&#10;$$&#10;\delta(x_2)-\delta(x_1)=\int_{x_1}^{x_2}\varepsilon(x)d x\qquad\qquad (**)&#10;$$&#10;\`e l'allungamento del tratto di trave compreso tra $x=x_1$ e $x=x_2$.&#10;&#10;Derivando la (*) rispetto a $\overline x$, troviamo la relazione generale tra allungamento e dilatazione:&#10;$$&#10;\frac{d\delta}{dx}=\varepsilon.&#10;$$&#10;Questa equazione, scritta nella forma&#10;$$&#10;d\delta=\varepsilon dx&#10;$$&#10;\`e l'analogo della (**) per un concio $dx$.&#10;&#10;\end{document}"/>
+  <p:tag name="IGUANATEXSIZE" val="20"/>
+  <p:tag name="IGUANATEXCURSOR" val="354"/>
+  <p:tag name="TRANSPARENCY" val="True"/>
+  <p:tag name="LATEXENGINEID" val="0"/>
+  <p:tag name="TEMPFOLDER" val="/private/var/folders/bl/qr6kzqqj6dq26b3546l3vykm0000gn/T/com.microsoft.Powerpoint/TemporaryItems/"/>
+  <p:tag name="LATEXFORMHEIGHT" val="426,65"/>
+  <p:tag name="LATEXFORMWIDTH" val="513,35"/>
+  <p:tag name="LATEXFORMWRAP" val="True"/>
+  <p:tag name="BITMAPVECTOR" val="0"/>
+</p:tagLst>
+</file>
+
+<file path=ppt/tags/tag11.xml><?xml version="1.0" encoding="utf-8"?>
+<p:tagLst xmlns:a="http://schemas.openxmlformats.org/drawingml/2006/main" xmlns:r="http://schemas.openxmlformats.org/officeDocument/2006/relationships" xmlns:p="http://schemas.openxmlformats.org/presentationml/2006/main">
+  <p:tag name="OUTPUTDPI" val="1200"/>
+  <p:tag name="ORIGINALHEIGHT" val="85"/>
+  <p:tag name="ORIGINALWIDTH" val="263"/>
+  <p:tag name="OUTPUTTYPE" val="PDF"/>
+  <p:tag name="IGUANATEXVERSION" val="160"/>
+  <p:tag name="LATEXADDIN" val="\documentclass{article}&#10;\usepackage{amsmath,bbm,mathrsfs}&#10;\setlength\parindent{0em}&#10;\usepackage{geometry}&#10;\geometry{textwidth=10cm}&#10;\setlength\parskip{1em}&#10;\pagestyle{empty}&#10;\begin{document}&#10;&#10;Imponendo l'equilibrio di un concio infinitesimo $dx$, si trova:&#10;$$&#10;N(x+dx)-N(x)+q(x)dx=0,&#10;$$&#10;da cui segue l'equazione di equilibrio:&#10;$$&#10;\frac{dN}{dx}+q=0.&#10;$$&#10;&#10;&#10;\end{document}"/>
+  <p:tag name="IGUANATEXSIZE" val="20"/>
+  <p:tag name="IGUANATEXCURSOR" val="351"/>
+  <p:tag name="TRANSPARENCY" val="True"/>
+  <p:tag name="LATEXENGINEID" val="0"/>
+  <p:tag name="TEMPFOLDER" val="/private/var/folders/bl/qr6kzqqj6dq26b3546l3vykm0000gn/T/com.microsoft.Powerpoint/TemporaryItems/"/>
+  <p:tag name="LATEXFORMHEIGHT" val="426,65"/>
+  <p:tag name="LATEXFORMWIDTH" val="513,35"/>
+  <p:tag name="LATEXFORMWRAP" val="True"/>
+  <p:tag name="BITMAPVECTOR" val="0"/>
+</p:tagLst>
+</file>
+
+<file path=ppt/tags/tag12.xml><?xml version="1.0" encoding="utf-8"?>
+<p:tagLst xmlns:a="http://schemas.openxmlformats.org/drawingml/2006/main" xmlns:r="http://schemas.openxmlformats.org/officeDocument/2006/relationships" xmlns:p="http://schemas.openxmlformats.org/presentationml/2006/main">
+  <p:tag name="OUTPUTDPI" val="1200"/>
+  <p:tag name="ORIGINALHEIGHT" val="140"/>
+  <p:tag name="ORIGINALWIDTH" val="283"/>
+  <p:tag name="OUTPUTTYPE" val="PDF"/>
+  <p:tag name="IGUANATEXVERSION" val="160"/>
+  <p:tag name="LATEXADDIN" val="\documentclass{article}&#10;\usepackage{amsmath,bbm,mathrsfs}&#10;\setlength\parindent{0em}&#10;\usepackage{geometry}&#10;\geometry{textwidth=10cm}&#10;\setlength\parskip{1em}&#10;\pagestyle{empty}&#10;\begin{document}&#10;&#10;Combinando l'equazione di equilibrio con la relazione tra allungamento e dilatazione&#10;$$&#10;\frac{d\delta}{dx}=\varepsilon&#10;$$&#10;e con la legge di Hooke generalizzata per la barra&#10;$$&#10;\varepsilon=\frac N{EA}+\alpha\Delta T,&#10;$$&#10;si arriva all'equazione differenziale della trave tesa/compressa&#10;$$&#10;\frac d{dx}\Big(\frac{d\delta}{dx}EA-\alpha\Delta T\Big)+q=0.&#10;$$&#10;&#10;\end{document}"/>
+  <p:tag name="IGUANATEXSIZE" val="20"/>
+  <p:tag name="IGUANATEXCURSOR" val="406"/>
+  <p:tag name="TRANSPARENCY" val="True"/>
+  <p:tag name="LATEXENGINEID" val="0"/>
+  <p:tag name="TEMPFOLDER" val="/private/var/folders/bl/qr6kzqqj6dq26b3546l3vykm0000gn/T/com.microsoft.Powerpoint/TemporaryItems/"/>
+  <p:tag name="LATEXFORMHEIGHT" val="426,65"/>
+  <p:tag name="LATEXFORMWIDTH" val="513,35"/>
+  <p:tag name="LATEXFORMWRAP" val="True"/>
+  <p:tag name="BITMAPVECTOR" val="0"/>
+</p:tagLst>
+</file>
+
+<file path=ppt/tags/tag13.xml><?xml version="1.0" encoding="utf-8"?>
+<p:tagLst xmlns:a="http://schemas.openxmlformats.org/drawingml/2006/main" xmlns:r="http://schemas.openxmlformats.org/officeDocument/2006/relationships" xmlns:p="http://schemas.openxmlformats.org/presentationml/2006/main">
+  <p:tag name="OUTPUTDPI" val="1200"/>
+  <p:tag name="ORIGINALHEIGHT" val="155"/>
+  <p:tag name="ORIGINALWIDTH" val="283"/>
+  <p:tag name="OUTPUTTYPE" val="PDF"/>
+  <p:tag name="IGUANATEXVERSION" val="160"/>
+  <p:tag name="LATEXADDIN" val="\documentclass{article}&#10;\usepackage{amsmath,bbm,mathrsfs}&#10;\setlength\parindent{0em}&#10;\usepackage{geometry}&#10;\geometry{textwidth=10cm}&#10;\setlength\parskip{1em}&#10;\pagestyle{empty}&#10;\begin{document}&#10;Spesso \`e conveniente formulare l'equazione differenziale della trave tesa-compressa in termini dello spostamento $w(x)$ che la sezione $x$ subisce lungo la direzione dell'asse $x$.&#10;&#10;Tra spostamento $w(x)$ e allungamento $\delta(x)$ sussiste la relazione&#10;$$&#10;w(x)=w(0)+\delta(x).&#10;$$&#10;&#10;Se, in particolare, $\delta(x)=0$, allora il tratto $(0,x)$ non si deforma, e gli spostamenti dei suoi estremi coincidono.&#10;&#10;Se $w(0)=0$, allora l'estremo $x=0$ non si sposta, e lo spostamento $w(x)$ coincide con l'allungamento.&#10;&#10;\end{document}"/>
+  <p:tag name="IGUANATEXSIZE" val="20"/>
+  <p:tag name="IGUANATEXCURSOR" val="703"/>
+  <p:tag name="TRANSPARENCY" val="True"/>
+  <p:tag name="LATEXENGINEID" val="0"/>
+  <p:tag name="TEMPFOLDER" val="/private/var/folders/bl/qr6kzqqj6dq26b3546l3vykm0000gn/T/com.microsoft.Powerpoint/TemporaryItems/"/>
+  <p:tag name="LATEXFORMHEIGHT" val="426,65"/>
+  <p:tag name="LATEXFORMWIDTH" val="513,35"/>
+  <p:tag name="LATEXFORMWRAP" val="True"/>
+  <p:tag name="BITMAPVECTOR" val="0"/>
+</p:tagLst>
+</file>
+
+<file path=ppt/tags/tag14.xml><?xml version="1.0" encoding="utf-8"?>
+<p:tagLst xmlns:a="http://schemas.openxmlformats.org/drawingml/2006/main" xmlns:r="http://schemas.openxmlformats.org/officeDocument/2006/relationships" xmlns:p="http://schemas.openxmlformats.org/presentationml/2006/main">
+  <p:tag name="OUTPUTDPI" val="1200"/>
+  <p:tag name="ORIGINALHEIGHT" val="194"/>
+  <p:tag name="ORIGINALWIDTH" val="283"/>
+  <p:tag name="OUTPUTTYPE" val="PDF"/>
+  <p:tag name="IGUANATEXVERSION" val="160"/>
+  <p:tag name="LATEXADDIN" val="\documentclass{article}&#10;\usepackage{amsmath,bbm,mathrsfs}&#10;\setlength\parindent{0em}&#10;\usepackage{geometry}&#10;\geometry{textwidth=10cm}&#10;\setlength\parskip{1em}&#10;\pagestyle{empty}&#10;\begin{document}&#10;Derivando rispetto a $x$ la relazione&#10;$$&#10;w(x)=w(0)+\delta(x)&#10;$$&#10;troviamo&#10;$$&#10;\frac {dw}{dx}=\frac {d\delta}{dx}.&#10;$$&#10;Ricordando che $d\delta/dx=\varepsilon$, segue che l'equazione di compatibilit\`a in forma puntuale si scrive:&#10;$$&#10;\frac {dw}{dx}=\varepsilon.&#10;$$&#10;Dunque, in termini della funzione spostamento $w(x)$, l'equazione differenziale della trave tesa si scrive&#10;$$&#10;\frac{d}{dx}\Big(EA\frac{dw}{dx}-\alpha\Delta T\Big)+q=0.&#10;$$&#10;&#10;&#10;&#10;&#10;\end{document}"/>
+  <p:tag name="IGUANATEXSIZE" val="20"/>
+  <p:tag name="IGUANATEXCURSOR" val="612"/>
   <p:tag name="TRANSPARENCY" val="True"/>
   <p:tag name="LATEXENGINEID" val="0"/>
   <p:tag name="TEMPFOLDER" val="/private/var/folders/bl/qr6kzqqj6dq26b3546l3vykm0000gn/T/com.microsoft.Powerpoint/TemporaryItems/"/>
@@ -4188,6 +4991,26 @@
 <file path=ppt/tags/tag4.xml><?xml version="1.0" encoding="utf-8"?>
 <p:tagLst xmlns:a="http://schemas.openxmlformats.org/drawingml/2006/main" xmlns:r="http://schemas.openxmlformats.org/officeDocument/2006/relationships" xmlns:p="http://schemas.openxmlformats.org/presentationml/2006/main">
   <p:tag name="OUTPUTDPI" val="1200"/>
+  <p:tag name="ORIGINALHEIGHT" val="247"/>
+  <p:tag name="ORIGINALWIDTH" val="284"/>
+  <p:tag name="OUTPUTTYPE" val="PDF"/>
+  <p:tag name="IGUANATEXVERSION" val="160"/>
+  <p:tag name="LATEXADDIN" val="\documentclass{article}&#10;\usepackage{amsmath,bbm,mathrsfs}&#10;\setlength\parindent{0em}&#10;\usepackage{geometry}&#10;\geometry{textwidth=10cm}&#10;\setlength\parskip{1em}&#10;\pagestyle{empty}&#10;\begin{document}&#10;&#10;Se in una trave $AB$ di lunghezza $L$ la dilatazione normale $\varepsilon$ \`e costante, l'allungamento \`e&#10;$$&#10;\delta=\varepsilon L.&#10;$$&#10;Nel caso in cui la trave sia costituita da $N$ tratti in ciascuno dei quali $\varepsilon$ \`e costante:&#10;$$&#10;\delta=\sum_{i=1}^N\varepsilon_iL_i.&#10;$$&#10;La precedente equazione si generalizza al caso in cui $\varepsilon$ sia una funzione integrabile:&#10;$$&#10;\delta=\int_0^L \varepsilon(x)dx.&#10;$$&#10;\`E utile osservare che la quantit\`a&#10;$$&#10;\delta(\overline x)=\int_0^{\overline x} \varepsilon(\overline x)d\overline x\qquad\qquad (*)&#10;$$&#10;rappresenta l'allungamento del tratto di trave compreso tra $x=0$ e $x=\overline x$. &#10;&#10;&#10;&#10;\end{document}"/>
+  <p:tag name="IGUANATEXSIZE" val="20"/>
+  <p:tag name="IGUANATEXCURSOR" val="743"/>
+  <p:tag name="TRANSPARENCY" val="True"/>
+  <p:tag name="LATEXENGINEID" val="0"/>
+  <p:tag name="TEMPFOLDER" val="/private/var/folders/bl/qr6kzqqj6dq26b3546l3vykm0000gn/T/com.microsoft.Powerpoint/TemporaryItems/"/>
+  <p:tag name="LATEXFORMHEIGHT" val="426,65"/>
+  <p:tag name="LATEXFORMWIDTH" val="513,35"/>
+  <p:tag name="LATEXFORMWRAP" val="True"/>
+  <p:tag name="BITMAPVECTOR" val="0"/>
+</p:tagLst>
+</file>
+
+<file path=ppt/tags/tag5.xml><?xml version="1.0" encoding="utf-8"?>
+<p:tagLst xmlns:a="http://schemas.openxmlformats.org/drawingml/2006/main" xmlns:r="http://schemas.openxmlformats.org/officeDocument/2006/relationships" xmlns:p="http://schemas.openxmlformats.org/presentationml/2006/main">
+  <p:tag name="OUTPUTDPI" val="1200"/>
   <p:tag name="ORIGINALHEIGHT" val="114"/>
   <p:tag name="ORIGINALWIDTH" val="425"/>
   <p:tag name="OUTPUTTYPE" val="PDF"/>
@@ -4205,7 +5028,7 @@
 </p:tagLst>
 </file>
 
-<file path=ppt/tags/tag5.xml><?xml version="1.0" encoding="utf-8"?>
+<file path=ppt/tags/tag6.xml><?xml version="1.0" encoding="utf-8"?>
 <p:tagLst xmlns:a="http://schemas.openxmlformats.org/drawingml/2006/main" xmlns:r="http://schemas.openxmlformats.org/officeDocument/2006/relationships" xmlns:p="http://schemas.openxmlformats.org/presentationml/2006/main">
   <p:tag name="OUTPUTDPI" val="1200"/>
   <p:tag name="ORIGINALHEIGHT" val="240"/>
@@ -4225,7 +5048,7 @@
 </p:tagLst>
 </file>
 
-<file path=ppt/tags/tag6.xml><?xml version="1.0" encoding="utf-8"?>
+<file path=ppt/tags/tag7.xml><?xml version="1.0" encoding="utf-8"?>
 <p:tagLst xmlns:a="http://schemas.openxmlformats.org/drawingml/2006/main" xmlns:r="http://schemas.openxmlformats.org/officeDocument/2006/relationships" xmlns:p="http://schemas.openxmlformats.org/presentationml/2006/main">
   <p:tag name="OUTPUTDPI" val="1200"/>
   <p:tag name="ORIGINALHEIGHT" val="75"/>
@@ -4245,7 +5068,7 @@
 </p:tagLst>
 </file>
 
-<file path=ppt/tags/tag7.xml><?xml version="1.0" encoding="utf-8"?>
+<file path=ppt/tags/tag8.xml><?xml version="1.0" encoding="utf-8"?>
 <p:tagLst xmlns:a="http://schemas.openxmlformats.org/drawingml/2006/main" xmlns:r="http://schemas.openxmlformats.org/officeDocument/2006/relationships" xmlns:p="http://schemas.openxmlformats.org/presentationml/2006/main">
   <p:tag name="OUTPUTDPI" val="1200"/>
   <p:tag name="ORIGINALHEIGHT" val="206"/>
@@ -4265,7 +5088,7 @@
 </p:tagLst>
 </file>
 
-<file path=ppt/tags/tag8.xml><?xml version="1.0" encoding="utf-8"?>
+<file path=ppt/tags/tag9.xml><?xml version="1.0" encoding="utf-8"?>
 <p:tagLst xmlns:a="http://schemas.openxmlformats.org/drawingml/2006/main" xmlns:r="http://schemas.openxmlformats.org/officeDocument/2006/relationships" xmlns:p="http://schemas.openxmlformats.org/presentationml/2006/main">
   <p:tag name="OUTPUTDPI" val="1200"/>
   <p:tag name="ORIGINALHEIGHT" val="236"/>

--- a/lezioni/H 8 travi tese e compresse.pptx
+++ b/lezioni/H 8 travi tese e compresse.pptx
@@ -3381,14 +3381,15 @@
         <p:spPr/>
         <p:txBody>
           <a:bodyPr>
-            <a:normAutofit fontScale="90000"/>
+            <a:normAutofit/>
           </a:bodyPr>
           <a:lstStyle/>
           <a:p>
             <a:r>
-              <a:rPr lang="en-IT" dirty="0"/>
-              <a:t>Deformazioni nelle travi soggette a trazione e compressione</a:t>
-            </a:r>
+              <a:rPr lang="en-IT"/>
+              <a:t>Deformazioni assiali</a:t>
+            </a:r>
+            <a:endParaRPr lang="en-IT" dirty="0"/>
           </a:p>
         </p:txBody>
       </p:sp>
